--- a/10. A román és a gótika főbb stílusjegye. A lovagi kultúra és értékrend néhány eleme. A humanizmus és a reneszánsz főbb jellemzői.pptx
+++ b/10. A román és a gótika főbb stílusjegye. A lovagi kultúra és értékrend néhány eleme. A humanizmus és a reneszánsz főbb jellemzői.pptx
@@ -4472,299 +4472,12 @@
           <a:chExt cx="0" cy="0"/>
         </a:xfrm>
       </p:grpSpPr>
-      <p:sp>
-        <p:nvSpPr>
-          <p:cNvPr id="2" name="Cím 1">
-            <a:extLst>
-              <a:ext uri="{FF2B5EF4-FFF2-40B4-BE49-F238E27FC236}">
-                <a16:creationId xmlns:a16="http://schemas.microsoft.com/office/drawing/2014/main" id="{4E27AA1A-566B-4589-B737-E1D77200EAD4}"/>
-              </a:ext>
-            </a:extLst>
-          </p:cNvPr>
-          <p:cNvSpPr>
-            <a:spLocks noGrp="1"/>
-          </p:cNvSpPr>
-          <p:nvPr>
-            <p:ph type="title"/>
-          </p:nvPr>
-        </p:nvSpPr>
-        <p:spPr/>
-        <p:txBody>
-          <a:bodyPr/>
-          <a:lstStyle/>
-          <a:p>
-            <a:r>
-              <a:rPr lang="hu-HU" b="1" dirty="0">
-                <a:solidFill>
-                  <a:schemeClr val="accent2">
-                    <a:lumMod val="75000"/>
-                  </a:schemeClr>
-                </a:solidFill>
-              </a:rPr>
-              <a:t>Új gondolkodásmódok megjelenése</a:t>
-            </a:r>
-            <a:endParaRPr lang="hu-HU" dirty="0"/>
-          </a:p>
-        </p:txBody>
-      </p:sp>
-      <p:sp>
-        <p:nvSpPr>
-          <p:cNvPr id="3" name="Szöveg helye 2">
-            <a:extLst>
-              <a:ext uri="{FF2B5EF4-FFF2-40B4-BE49-F238E27FC236}">
-                <a16:creationId xmlns:a16="http://schemas.microsoft.com/office/drawing/2014/main" id="{4FFB4E9C-495E-4B9B-802B-6151DE673B53}"/>
-              </a:ext>
-            </a:extLst>
-          </p:cNvPr>
-          <p:cNvSpPr>
-            <a:spLocks noGrp="1"/>
-          </p:cNvSpPr>
-          <p:nvPr>
-            <p:ph type="body" idx="1"/>
-          </p:nvPr>
-        </p:nvSpPr>
-        <p:spPr>
-          <a:xfrm>
-            <a:off x="839788" y="1286880"/>
-            <a:ext cx="5157787" cy="823912"/>
-          </a:xfrm>
-        </p:spPr>
-        <p:txBody>
-          <a:bodyPr>
-            <a:normAutofit/>
-          </a:bodyPr>
-          <a:lstStyle/>
-          <a:p>
-            <a:pPr algn="ctr"/>
-            <a:r>
-              <a:rPr lang="hu-HU" sz="2800" u="sng" dirty="0">
-                <a:solidFill>
-                  <a:schemeClr val="accent2">
-                    <a:lumMod val="75000"/>
-                  </a:schemeClr>
-                </a:solidFill>
-              </a:rPr>
-              <a:t>Humanizmus</a:t>
-            </a:r>
-          </a:p>
-        </p:txBody>
-      </p:sp>
-      <p:sp>
-        <p:nvSpPr>
-          <p:cNvPr id="4" name="Tartalom helye 3">
-            <a:extLst>
-              <a:ext uri="{FF2B5EF4-FFF2-40B4-BE49-F238E27FC236}">
-                <a16:creationId xmlns:a16="http://schemas.microsoft.com/office/drawing/2014/main" id="{EB87EA83-393B-4D53-AD0C-F4B61309F561}"/>
-              </a:ext>
-            </a:extLst>
-          </p:cNvPr>
-          <p:cNvSpPr>
-            <a:spLocks noGrp="1"/>
-          </p:cNvSpPr>
-          <p:nvPr>
-            <p:ph sz="half" idx="2"/>
-          </p:nvPr>
-        </p:nvSpPr>
-        <p:spPr>
-          <a:xfrm>
-            <a:off x="839788" y="2270182"/>
-            <a:ext cx="5157787" cy="4352925"/>
-          </a:xfrm>
-        </p:spPr>
-        <p:txBody>
-          <a:bodyPr>
-            <a:normAutofit/>
-          </a:bodyPr>
-          <a:lstStyle/>
-          <a:p>
-            <a:r>
-              <a:rPr lang="hu-HU" sz="2400" dirty="0"/>
-              <a:t>Középkori gondolkodás:</a:t>
-            </a:r>
-          </a:p>
-          <a:p>
-            <a:pPr lvl="1"/>
-            <a:r>
-              <a:rPr lang="hu-HU" sz="2000" dirty="0"/>
-              <a:t>Az élet szenvedés</a:t>
-            </a:r>
-          </a:p>
-          <a:p>
-            <a:pPr lvl="1"/>
-            <a:r>
-              <a:rPr lang="hu-HU" sz="2000" dirty="0"/>
-              <a:t>Halál utáni jutalom</a:t>
-            </a:r>
-          </a:p>
-          <a:p>
-            <a:r>
-              <a:rPr lang="hu-HU" sz="2400" dirty="0"/>
-              <a:t>Humanisták:</a:t>
-            </a:r>
-          </a:p>
-          <a:p>
-            <a:pPr lvl="1"/>
-            <a:r>
-              <a:rPr lang="hu-HU" sz="2000" dirty="0"/>
-              <a:t>élet az ember és az örömök keresése</a:t>
-            </a:r>
-          </a:p>
-          <a:p>
-            <a:r>
-              <a:rPr lang="hu-HU" sz="2400" dirty="0"/>
-              <a:t>Irodalmi képviselői:</a:t>
-            </a:r>
-          </a:p>
-          <a:p>
-            <a:pPr lvl="1"/>
-            <a:r>
-              <a:rPr lang="hu-HU" sz="2000" dirty="0"/>
-              <a:t>Petrarca</a:t>
-            </a:r>
-          </a:p>
-          <a:p>
-            <a:pPr lvl="1"/>
-            <a:r>
-              <a:rPr lang="hu-HU" sz="2000" dirty="0"/>
-              <a:t>Dante </a:t>
-            </a:r>
-            <a:r>
-              <a:rPr lang="hu-HU" sz="2000" dirty="0" err="1"/>
-              <a:t>Alighieri</a:t>
-            </a:r>
-            <a:endParaRPr lang="hu-HU" sz="2000" dirty="0"/>
-          </a:p>
-        </p:txBody>
-      </p:sp>
-      <p:sp>
-        <p:nvSpPr>
-          <p:cNvPr id="5" name="Szöveg helye 4">
-            <a:extLst>
-              <a:ext uri="{FF2B5EF4-FFF2-40B4-BE49-F238E27FC236}">
-                <a16:creationId xmlns:a16="http://schemas.microsoft.com/office/drawing/2014/main" id="{87ED584F-4630-4674-A275-A8AB18FE4B20}"/>
-              </a:ext>
-            </a:extLst>
-          </p:cNvPr>
-          <p:cNvSpPr>
-            <a:spLocks noGrp="1"/>
-          </p:cNvSpPr>
-          <p:nvPr>
-            <p:ph type="body" sz="quarter" idx="3"/>
-          </p:nvPr>
-        </p:nvSpPr>
-        <p:spPr>
-          <a:xfrm>
-            <a:off x="6172200" y="1286880"/>
-            <a:ext cx="5183188" cy="823912"/>
-          </a:xfrm>
-        </p:spPr>
-        <p:txBody>
-          <a:bodyPr>
-            <a:normAutofit/>
-          </a:bodyPr>
-          <a:lstStyle/>
-          <a:p>
-            <a:pPr algn="ctr"/>
-            <a:r>
-              <a:rPr lang="hu-HU" sz="2800" u="sng" dirty="0">
-                <a:solidFill>
-                  <a:schemeClr val="accent2">
-                    <a:lumMod val="75000"/>
-                  </a:schemeClr>
-                </a:solidFill>
-              </a:rPr>
-              <a:t>Reneszánsz</a:t>
-            </a:r>
-          </a:p>
-        </p:txBody>
-      </p:sp>
-      <p:sp>
-        <p:nvSpPr>
-          <p:cNvPr id="6" name="Tartalom helye 5">
-            <a:extLst>
-              <a:ext uri="{FF2B5EF4-FFF2-40B4-BE49-F238E27FC236}">
-                <a16:creationId xmlns:a16="http://schemas.microsoft.com/office/drawing/2014/main" id="{909C250C-190B-41B2-AB7E-E625166E4ADF}"/>
-              </a:ext>
-            </a:extLst>
-          </p:cNvPr>
-          <p:cNvSpPr>
-            <a:spLocks noGrp="1"/>
-          </p:cNvSpPr>
-          <p:nvPr>
-            <p:ph sz="quarter" idx="4"/>
-          </p:nvPr>
-        </p:nvSpPr>
-        <p:spPr>
-          <a:xfrm>
-            <a:off x="6172200" y="2270183"/>
-            <a:ext cx="5183188" cy="4352924"/>
-          </a:xfrm>
-        </p:spPr>
-        <p:txBody>
-          <a:bodyPr>
-            <a:normAutofit/>
-          </a:bodyPr>
-          <a:lstStyle/>
-          <a:p>
-            <a:r>
-              <a:rPr lang="hu-HU" sz="2400" dirty="0"/>
-              <a:t>Jelentése: újjászületés</a:t>
-            </a:r>
-          </a:p>
-          <a:p>
-            <a:r>
-              <a:rPr lang="hu-HU" sz="2400" dirty="0"/>
-              <a:t>Alapok:</a:t>
-            </a:r>
-          </a:p>
-          <a:p>
-            <a:pPr lvl="1"/>
-            <a:r>
-              <a:rPr lang="hu-HU" sz="2000" dirty="0"/>
-              <a:t>Ókori görög </a:t>
-            </a:r>
-          </a:p>
-          <a:p>
-            <a:pPr lvl="1"/>
-            <a:r>
-              <a:rPr lang="hu-HU" sz="2000" dirty="0"/>
-              <a:t>Római kultúra</a:t>
-            </a:r>
-          </a:p>
-          <a:p>
-            <a:r>
-              <a:rPr lang="hu-HU" sz="2400" dirty="0"/>
-              <a:t>Hazája: Észak-Itália</a:t>
-            </a:r>
-          </a:p>
-          <a:p>
-            <a:r>
-              <a:rPr lang="hu-HU" sz="2400" dirty="0"/>
-              <a:t>Jellemzők:</a:t>
-            </a:r>
-          </a:p>
-          <a:p>
-            <a:pPr lvl="1"/>
-            <a:r>
-              <a:rPr lang="hu-HU" sz="2000" dirty="0"/>
-              <a:t>Oszlopos</a:t>
-            </a:r>
-          </a:p>
-          <a:p>
-            <a:pPr lvl="1"/>
-            <a:r>
-              <a:rPr lang="hu-HU" sz="2000" dirty="0"/>
-              <a:t>Kupolás építészet</a:t>
-            </a:r>
-          </a:p>
-        </p:txBody>
-      </p:sp>
       <p:pic>
         <p:nvPicPr>
-          <p:cNvPr id="3076" name="Picture 4" descr="The Birth of Venus - Wikipedia">
-            <a:extLst>
-              <a:ext uri="{FF2B5EF4-FFF2-40B4-BE49-F238E27FC236}">
-                <a16:creationId xmlns:a16="http://schemas.microsoft.com/office/drawing/2014/main" id="{3A003839-0143-4464-BE19-9E2CA62A62B6}"/>
+          <p:cNvPr id="1026" name="Picture 2" descr="ArtStation - The Creation of Adam by Michelangelo study">
+            <a:extLst>
+              <a:ext uri="{FF2B5EF4-FFF2-40B4-BE49-F238E27FC236}">
+                <a16:creationId xmlns:a16="http://schemas.microsoft.com/office/drawing/2014/main" id="{53DCC8A9-B130-15CD-605A-E10D9772C1EE}"/>
               </a:ext>
             </a:extLst>
           </p:cNvPr>
@@ -4773,23 +4486,22 @@
           </p:cNvPicPr>
           <p:nvPr/>
         </p:nvPicPr>
-        <p:blipFill>
+        <p:blipFill rotWithShape="1">
           <a:blip r:embed="rId2">
+            <a:alphaModFix amt="20000"/>
             <a:extLst>
               <a:ext uri="{28A0092B-C50C-407E-A947-70E740481C1C}">
                 <a14:useLocalDpi xmlns:a14="http://schemas.microsoft.com/office/drawing/2010/main" val="0"/>
               </a:ext>
             </a:extLst>
           </a:blip>
-          <a:srcRect/>
-          <a:stretch>
-            <a:fillRect/>
-          </a:stretch>
+          <a:srcRect l="5853" t="2" r="16258" b="-1"/>
+          <a:stretch/>
         </p:blipFill>
         <p:spPr bwMode="auto">
           <a:xfrm>
-            <a:off x="5490594" y="2654867"/>
-            <a:ext cx="6701406" cy="4205132"/>
+            <a:off x="19" y="14680"/>
+            <a:ext cx="12191981" cy="6887365"/>
           </a:xfrm>
           <a:prstGeom prst="rect">
             <a:avLst/>
@@ -4806,6 +4518,293 @@
           </a:extLst>
         </p:spPr>
       </p:pic>
+      <p:sp>
+        <p:nvSpPr>
+          <p:cNvPr id="2" name="Cím 1">
+            <a:extLst>
+              <a:ext uri="{FF2B5EF4-FFF2-40B4-BE49-F238E27FC236}">
+                <a16:creationId xmlns:a16="http://schemas.microsoft.com/office/drawing/2014/main" id="{4E27AA1A-566B-4589-B737-E1D77200EAD4}"/>
+              </a:ext>
+            </a:extLst>
+          </p:cNvPr>
+          <p:cNvSpPr>
+            <a:spLocks noGrp="1"/>
+          </p:cNvSpPr>
+          <p:nvPr>
+            <p:ph type="title"/>
+          </p:nvPr>
+        </p:nvSpPr>
+        <p:spPr/>
+        <p:txBody>
+          <a:bodyPr/>
+          <a:lstStyle/>
+          <a:p>
+            <a:r>
+              <a:rPr lang="hu-HU" b="1" dirty="0">
+                <a:solidFill>
+                  <a:schemeClr val="accent2">
+                    <a:lumMod val="75000"/>
+                  </a:schemeClr>
+                </a:solidFill>
+              </a:rPr>
+              <a:t>Új gondolkodásmódok megjelenése</a:t>
+            </a:r>
+            <a:endParaRPr lang="hu-HU" dirty="0"/>
+          </a:p>
+        </p:txBody>
+      </p:sp>
+      <p:sp>
+        <p:nvSpPr>
+          <p:cNvPr id="3" name="Szöveg helye 2">
+            <a:extLst>
+              <a:ext uri="{FF2B5EF4-FFF2-40B4-BE49-F238E27FC236}">
+                <a16:creationId xmlns:a16="http://schemas.microsoft.com/office/drawing/2014/main" id="{4FFB4E9C-495E-4B9B-802B-6151DE673B53}"/>
+              </a:ext>
+            </a:extLst>
+          </p:cNvPr>
+          <p:cNvSpPr>
+            <a:spLocks noGrp="1"/>
+          </p:cNvSpPr>
+          <p:nvPr>
+            <p:ph type="body" idx="1"/>
+          </p:nvPr>
+        </p:nvSpPr>
+        <p:spPr>
+          <a:xfrm>
+            <a:off x="839788" y="1286880"/>
+            <a:ext cx="5157787" cy="823912"/>
+          </a:xfrm>
+        </p:spPr>
+        <p:txBody>
+          <a:bodyPr>
+            <a:normAutofit/>
+          </a:bodyPr>
+          <a:lstStyle/>
+          <a:p>
+            <a:pPr algn="ctr"/>
+            <a:r>
+              <a:rPr lang="hu-HU" sz="2800" u="sng" dirty="0">
+                <a:solidFill>
+                  <a:schemeClr val="accent2">
+                    <a:lumMod val="75000"/>
+                  </a:schemeClr>
+                </a:solidFill>
+              </a:rPr>
+              <a:t>Humanizmus</a:t>
+            </a:r>
+          </a:p>
+        </p:txBody>
+      </p:sp>
+      <p:sp>
+        <p:nvSpPr>
+          <p:cNvPr id="4" name="Tartalom helye 3">
+            <a:extLst>
+              <a:ext uri="{FF2B5EF4-FFF2-40B4-BE49-F238E27FC236}">
+                <a16:creationId xmlns:a16="http://schemas.microsoft.com/office/drawing/2014/main" id="{EB87EA83-393B-4D53-AD0C-F4B61309F561}"/>
+              </a:ext>
+            </a:extLst>
+          </p:cNvPr>
+          <p:cNvSpPr>
+            <a:spLocks noGrp="1"/>
+          </p:cNvSpPr>
+          <p:nvPr>
+            <p:ph sz="half" idx="2"/>
+          </p:nvPr>
+        </p:nvSpPr>
+        <p:spPr>
+          <a:xfrm>
+            <a:off x="839788" y="2270182"/>
+            <a:ext cx="5157787" cy="4352925"/>
+          </a:xfrm>
+        </p:spPr>
+        <p:txBody>
+          <a:bodyPr>
+            <a:normAutofit/>
+          </a:bodyPr>
+          <a:lstStyle/>
+          <a:p>
+            <a:r>
+              <a:rPr lang="hu-HU" sz="2400" dirty="0"/>
+              <a:t>Középkori gondolkodás:</a:t>
+            </a:r>
+          </a:p>
+          <a:p>
+            <a:pPr lvl="1"/>
+            <a:r>
+              <a:rPr lang="hu-HU" sz="2000" dirty="0"/>
+              <a:t>Az élet szenvedés</a:t>
+            </a:r>
+          </a:p>
+          <a:p>
+            <a:pPr lvl="1"/>
+            <a:r>
+              <a:rPr lang="hu-HU" sz="2000" dirty="0"/>
+              <a:t>Halál utáni jutalom</a:t>
+            </a:r>
+          </a:p>
+          <a:p>
+            <a:r>
+              <a:rPr lang="hu-HU" sz="2400" dirty="0"/>
+              <a:t>Humanisták:</a:t>
+            </a:r>
+          </a:p>
+          <a:p>
+            <a:pPr lvl="1"/>
+            <a:r>
+              <a:rPr lang="hu-HU" sz="2000" dirty="0"/>
+              <a:t>Élet az ember és az örömök keresése</a:t>
+            </a:r>
+          </a:p>
+          <a:p>
+            <a:r>
+              <a:rPr lang="hu-HU" sz="2400" dirty="0"/>
+              <a:t>Irodalmi képviselői:</a:t>
+            </a:r>
+          </a:p>
+          <a:p>
+            <a:pPr lvl="1"/>
+            <a:r>
+              <a:rPr lang="hu-HU" sz="2000" dirty="0"/>
+              <a:t>Petrarca</a:t>
+            </a:r>
+          </a:p>
+          <a:p>
+            <a:pPr lvl="1"/>
+            <a:r>
+              <a:rPr lang="hu-HU" sz="2000" dirty="0"/>
+              <a:t>Dante </a:t>
+            </a:r>
+            <a:r>
+              <a:rPr lang="hu-HU" sz="2000" dirty="0" err="1"/>
+              <a:t>Alighieri</a:t>
+            </a:r>
+            <a:endParaRPr lang="hu-HU" sz="2000" dirty="0"/>
+          </a:p>
+        </p:txBody>
+      </p:sp>
+      <p:sp>
+        <p:nvSpPr>
+          <p:cNvPr id="5" name="Szöveg helye 4">
+            <a:extLst>
+              <a:ext uri="{FF2B5EF4-FFF2-40B4-BE49-F238E27FC236}">
+                <a16:creationId xmlns:a16="http://schemas.microsoft.com/office/drawing/2014/main" id="{87ED584F-4630-4674-A275-A8AB18FE4B20}"/>
+              </a:ext>
+            </a:extLst>
+          </p:cNvPr>
+          <p:cNvSpPr>
+            <a:spLocks noGrp="1"/>
+          </p:cNvSpPr>
+          <p:nvPr>
+            <p:ph type="body" sz="quarter" idx="3"/>
+          </p:nvPr>
+        </p:nvSpPr>
+        <p:spPr>
+          <a:xfrm>
+            <a:off x="6172200" y="1286880"/>
+            <a:ext cx="5183188" cy="823912"/>
+          </a:xfrm>
+        </p:spPr>
+        <p:txBody>
+          <a:bodyPr>
+            <a:normAutofit/>
+          </a:bodyPr>
+          <a:lstStyle/>
+          <a:p>
+            <a:pPr algn="ctr"/>
+            <a:r>
+              <a:rPr lang="hu-HU" sz="2800" u="sng" dirty="0">
+                <a:solidFill>
+                  <a:schemeClr val="accent2">
+                    <a:lumMod val="75000"/>
+                  </a:schemeClr>
+                </a:solidFill>
+              </a:rPr>
+              <a:t>Reneszánsz</a:t>
+            </a:r>
+          </a:p>
+        </p:txBody>
+      </p:sp>
+      <p:sp>
+        <p:nvSpPr>
+          <p:cNvPr id="6" name="Tartalom helye 5">
+            <a:extLst>
+              <a:ext uri="{FF2B5EF4-FFF2-40B4-BE49-F238E27FC236}">
+                <a16:creationId xmlns:a16="http://schemas.microsoft.com/office/drawing/2014/main" id="{909C250C-190B-41B2-AB7E-E625166E4ADF}"/>
+              </a:ext>
+            </a:extLst>
+          </p:cNvPr>
+          <p:cNvSpPr>
+            <a:spLocks noGrp="1"/>
+          </p:cNvSpPr>
+          <p:nvPr>
+            <p:ph sz="quarter" idx="4"/>
+          </p:nvPr>
+        </p:nvSpPr>
+        <p:spPr>
+          <a:xfrm>
+            <a:off x="6172200" y="2270183"/>
+            <a:ext cx="5183188" cy="4352924"/>
+          </a:xfrm>
+        </p:spPr>
+        <p:txBody>
+          <a:bodyPr>
+            <a:normAutofit/>
+          </a:bodyPr>
+          <a:lstStyle/>
+          <a:p>
+            <a:r>
+              <a:rPr lang="hu-HU" sz="2400" dirty="0"/>
+              <a:t>Jelentése: újjászületés</a:t>
+            </a:r>
+          </a:p>
+          <a:p>
+            <a:r>
+              <a:rPr lang="hu-HU" sz="2400" dirty="0"/>
+              <a:t>Alapok:</a:t>
+            </a:r>
+          </a:p>
+          <a:p>
+            <a:pPr lvl="1"/>
+            <a:r>
+              <a:rPr lang="hu-HU" sz="2000" dirty="0"/>
+              <a:t>Ókori görög </a:t>
+            </a:r>
+          </a:p>
+          <a:p>
+            <a:pPr lvl="1"/>
+            <a:r>
+              <a:rPr lang="hu-HU" sz="2000" dirty="0"/>
+              <a:t>Római kultúra</a:t>
+            </a:r>
+          </a:p>
+          <a:p>
+            <a:r>
+              <a:rPr lang="hu-HU" sz="2400" dirty="0"/>
+              <a:t>Hazája: Észak-Itália</a:t>
+            </a:r>
+          </a:p>
+          <a:p>
+            <a:r>
+              <a:rPr lang="hu-HU" sz="2400" dirty="0"/>
+              <a:t>Jellemzők:</a:t>
+            </a:r>
+          </a:p>
+          <a:p>
+            <a:pPr lvl="1"/>
+            <a:r>
+              <a:rPr lang="hu-HU" sz="2000" dirty="0"/>
+              <a:t>Oszlopos</a:t>
+            </a:r>
+          </a:p>
+          <a:p>
+            <a:pPr lvl="1"/>
+            <a:r>
+              <a:rPr lang="hu-HU" sz="2000" dirty="0"/>
+              <a:t>Kupolás építészet</a:t>
+            </a:r>
+          </a:p>
+        </p:txBody>
+      </p:sp>
     </p:spTree>
     <p:extLst>
       <p:ext uri="{BB962C8B-B14F-4D97-AF65-F5344CB8AC3E}">
